--- a/Class Slides 2024/Examples from previous years.pptx
+++ b/Class Slides 2024/Examples from previous years.pptx
@@ -5,7 +5,7 @@
     <p:sldMasterId id="2147483648" r:id="rId1"/>
   </p:sldMasterIdLst>
   <p:notesMasterIdLst>
-    <p:notesMasterId r:id="rId19"/>
+    <p:notesMasterId r:id="rId32"/>
   </p:notesMasterIdLst>
   <p:sldIdLst>
     <p:sldId id="256" r:id="rId2"/>
@@ -25,6 +25,19 @@
     <p:sldId id="283" r:id="rId16"/>
     <p:sldId id="284" r:id="rId17"/>
     <p:sldId id="285" r:id="rId18"/>
+    <p:sldId id="450" r:id="rId19"/>
+    <p:sldId id="451" r:id="rId20"/>
+    <p:sldId id="452" r:id="rId21"/>
+    <p:sldId id="453" r:id="rId22"/>
+    <p:sldId id="454" r:id="rId23"/>
+    <p:sldId id="455" r:id="rId24"/>
+    <p:sldId id="815" r:id="rId25"/>
+    <p:sldId id="816" r:id="rId26"/>
+    <p:sldId id="817" r:id="rId27"/>
+    <p:sldId id="819" r:id="rId28"/>
+    <p:sldId id="820" r:id="rId29"/>
+    <p:sldId id="822" r:id="rId30"/>
+    <p:sldId id="821" r:id="rId31"/>
   </p:sldIdLst>
   <p:sldSz cx="12192000" cy="6858000"/>
   <p:notesSz cx="6858000" cy="9144000"/>
@@ -123,6 +136,11 @@
       </a:defRPr>
     </a:lvl9pPr>
   </p:defaultTextStyle>
+  <p:extLst>
+    <p:ext uri="{EFAFB233-063F-42B5-8137-9DF3F51BA10A}">
+      <p15:sldGuideLst xmlns:p15="http://schemas.microsoft.com/office/powerpoint/2012/main"/>
+    </p:ext>
+  </p:extLst>
 </p:presentation>
 </file>
 
@@ -208,7 +226,7 @@
           <a:p>
             <a:fld id="{B7A263BD-54D0-45DE-B503-3D9B53156077}" type="datetimeFigureOut">
               <a:rPr lang="en-US" smtClean="0"/>
-              <a:t>2/8/2024</a:t>
+              <a:t>2/25/2024</a:t>
             </a:fld>
             <a:endParaRPr lang="en-US"/>
           </a:p>
@@ -1422,7 +1440,7 @@
           <a:p>
             <a:fld id="{7A4654B4-652D-43A7-9BEF-D3E4CF38FF82}" type="datetimeFigureOut">
               <a:rPr lang="en-US" smtClean="0"/>
-              <a:t>2/8/2024</a:t>
+              <a:t>2/25/2024</a:t>
             </a:fld>
             <a:endParaRPr lang="en-US"/>
           </a:p>
@@ -1620,7 +1638,7 @@
           <a:p>
             <a:fld id="{7A4654B4-652D-43A7-9BEF-D3E4CF38FF82}" type="datetimeFigureOut">
               <a:rPr lang="en-US" smtClean="0"/>
-              <a:t>2/8/2024</a:t>
+              <a:t>2/25/2024</a:t>
             </a:fld>
             <a:endParaRPr lang="en-US"/>
           </a:p>
@@ -1828,7 +1846,7 @@
           <a:p>
             <a:fld id="{7A4654B4-652D-43A7-9BEF-D3E4CF38FF82}" type="datetimeFigureOut">
               <a:rPr lang="en-US" smtClean="0"/>
-              <a:t>2/8/2024</a:t>
+              <a:t>2/25/2024</a:t>
             </a:fld>
             <a:endParaRPr lang="en-US"/>
           </a:p>
@@ -2286,7 +2304,7 @@
           <a:p>
             <a:fld id="{7A4654B4-652D-43A7-9BEF-D3E4CF38FF82}" type="datetimeFigureOut">
               <a:rPr lang="en-US" smtClean="0"/>
-              <a:t>2/8/2024</a:t>
+              <a:t>2/25/2024</a:t>
             </a:fld>
             <a:endParaRPr lang="en-US"/>
           </a:p>
@@ -2561,7 +2579,7 @@
           <a:p>
             <a:fld id="{7A4654B4-652D-43A7-9BEF-D3E4CF38FF82}" type="datetimeFigureOut">
               <a:rPr lang="en-US" smtClean="0"/>
-              <a:t>2/8/2024</a:t>
+              <a:t>2/25/2024</a:t>
             </a:fld>
             <a:endParaRPr lang="en-US"/>
           </a:p>
@@ -2826,7 +2844,7 @@
           <a:p>
             <a:fld id="{7A4654B4-652D-43A7-9BEF-D3E4CF38FF82}" type="datetimeFigureOut">
               <a:rPr lang="en-US" smtClean="0"/>
-              <a:t>2/8/2024</a:t>
+              <a:t>2/25/2024</a:t>
             </a:fld>
             <a:endParaRPr lang="en-US"/>
           </a:p>
@@ -3238,7 +3256,7 @@
           <a:p>
             <a:fld id="{7A4654B4-652D-43A7-9BEF-D3E4CF38FF82}" type="datetimeFigureOut">
               <a:rPr lang="en-US" smtClean="0"/>
-              <a:t>2/8/2024</a:t>
+              <a:t>2/25/2024</a:t>
             </a:fld>
             <a:endParaRPr lang="en-US"/>
           </a:p>
@@ -3379,7 +3397,7 @@
           <a:p>
             <a:fld id="{7A4654B4-652D-43A7-9BEF-D3E4CF38FF82}" type="datetimeFigureOut">
               <a:rPr lang="en-US" smtClean="0"/>
-              <a:t>2/8/2024</a:t>
+              <a:t>2/25/2024</a:t>
             </a:fld>
             <a:endParaRPr lang="en-US"/>
           </a:p>
@@ -3492,7 +3510,7 @@
           <a:p>
             <a:fld id="{7A4654B4-652D-43A7-9BEF-D3E4CF38FF82}" type="datetimeFigureOut">
               <a:rPr lang="en-US" smtClean="0"/>
-              <a:t>2/8/2024</a:t>
+              <a:t>2/25/2024</a:t>
             </a:fld>
             <a:endParaRPr lang="en-US"/>
           </a:p>
@@ -3803,7 +3821,7 @@
           <a:p>
             <a:fld id="{7A4654B4-652D-43A7-9BEF-D3E4CF38FF82}" type="datetimeFigureOut">
               <a:rPr lang="en-US" smtClean="0"/>
-              <a:t>2/8/2024</a:t>
+              <a:t>2/25/2024</a:t>
             </a:fld>
             <a:endParaRPr lang="en-US"/>
           </a:p>
@@ -4091,7 +4109,7 @@
           <a:p>
             <a:fld id="{7A4654B4-652D-43A7-9BEF-D3E4CF38FF82}" type="datetimeFigureOut">
               <a:rPr lang="en-US" smtClean="0"/>
-              <a:t>2/8/2024</a:t>
+              <a:t>2/25/2024</a:t>
             </a:fld>
             <a:endParaRPr lang="en-US"/>
           </a:p>
@@ -4332,7 +4350,7 @@
           <a:p>
             <a:fld id="{7A4654B4-652D-43A7-9BEF-D3E4CF38FF82}" type="datetimeFigureOut">
               <a:rPr lang="en-US" smtClean="0"/>
-              <a:t>2/8/2024</a:t>
+              <a:t>2/25/2024</a:t>
             </a:fld>
             <a:endParaRPr lang="en-US"/>
           </a:p>
@@ -5841,6 +5859,242 @@
 </p:sld>
 </file>
 
+<file path=ppt/slides/slide18.xml><?xml version="1.0" encoding="utf-8"?>
+<p:sld xmlns:a="http://schemas.openxmlformats.org/drawingml/2006/main" xmlns:r="http://schemas.openxmlformats.org/officeDocument/2006/relationships" xmlns:p="http://schemas.openxmlformats.org/presentationml/2006/main">
+  <p:cSld>
+    <p:spTree>
+      <p:nvGrpSpPr>
+        <p:cNvPr id="1" name=""/>
+        <p:cNvGrpSpPr/>
+        <p:nvPr/>
+      </p:nvGrpSpPr>
+      <p:grpSpPr>
+        <a:xfrm>
+          <a:off x="0" y="0"/>
+          <a:ext cx="0" cy="0"/>
+          <a:chOff x="0" y="0"/>
+          <a:chExt cx="0" cy="0"/>
+        </a:xfrm>
+      </p:grpSpPr>
+      <p:sp>
+        <p:nvSpPr>
+          <p:cNvPr id="2" name="Title 1">
+            <a:extLst>
+              <a:ext uri="{FF2B5EF4-FFF2-40B4-BE49-F238E27FC236}">
+                <a16:creationId xmlns:a16="http://schemas.microsoft.com/office/drawing/2014/main" id="{EFE4352B-2AE2-33D6-4F76-5B83DFB3608E}"/>
+              </a:ext>
+            </a:extLst>
+          </p:cNvPr>
+          <p:cNvSpPr>
+            <a:spLocks noGrp="1"/>
+          </p:cNvSpPr>
+          <p:nvPr>
+            <p:ph type="title"/>
+          </p:nvPr>
+        </p:nvSpPr>
+        <p:spPr/>
+        <p:txBody>
+          <a:bodyPr/>
+          <a:lstStyle/>
+          <a:p>
+            <a:r>
+              <a:rPr lang="en-US" dirty="0"/>
+              <a:t>Sugar and hyperactivity in children</a:t>
+            </a:r>
+          </a:p>
+        </p:txBody>
+      </p:sp>
+      <p:sp>
+        <p:nvSpPr>
+          <p:cNvPr id="3" name="Content Placeholder 2">
+            <a:extLst>
+              <a:ext uri="{FF2B5EF4-FFF2-40B4-BE49-F238E27FC236}">
+                <a16:creationId xmlns:a16="http://schemas.microsoft.com/office/drawing/2014/main" id="{5AAEECDB-5970-4809-995D-211026070402}"/>
+              </a:ext>
+            </a:extLst>
+          </p:cNvPr>
+          <p:cNvSpPr>
+            <a:spLocks noGrp="1"/>
+          </p:cNvSpPr>
+          <p:nvPr>
+            <p:ph idx="1"/>
+          </p:nvPr>
+        </p:nvSpPr>
+        <p:spPr/>
+        <p:txBody>
+          <a:bodyPr/>
+          <a:lstStyle/>
+          <a:p>
+            <a:r>
+              <a:rPr lang="en-US" dirty="0"/>
+              <a:t>“Sugar rush”: candy, cake, etc., leads to high-activity behavior in children</a:t>
+            </a:r>
+          </a:p>
+          <a:p>
+            <a:endParaRPr lang="en-US" dirty="0"/>
+          </a:p>
+          <a:p>
+            <a:r>
+              <a:rPr lang="en-US" dirty="0"/>
+              <a:t>Why do many people think this is true?</a:t>
+            </a:r>
+          </a:p>
+          <a:p>
+            <a:endParaRPr lang="en-US" dirty="0"/>
+          </a:p>
+          <a:p>
+            <a:r>
+              <a:rPr lang="en-US" dirty="0"/>
+              <a:t>What is the role of experimental versus non-experimental data in this common belief?</a:t>
+            </a:r>
+          </a:p>
+          <a:p>
+            <a:pPr lvl="1"/>
+            <a:endParaRPr lang="en-US" dirty="0"/>
+          </a:p>
+        </p:txBody>
+      </p:sp>
+    </p:spTree>
+    <p:extLst>
+      <p:ext uri="{BB962C8B-B14F-4D97-AF65-F5344CB8AC3E}">
+        <p14:creationId xmlns:p14="http://schemas.microsoft.com/office/powerpoint/2010/main" val="3464170284"/>
+      </p:ext>
+    </p:extLst>
+  </p:cSld>
+  <p:clrMapOvr>
+    <a:masterClrMapping/>
+  </p:clrMapOvr>
+</p:sld>
+</file>
+
+<file path=ppt/slides/slide19.xml><?xml version="1.0" encoding="utf-8"?>
+<p:sld xmlns:a="http://schemas.openxmlformats.org/drawingml/2006/main" xmlns:r="http://schemas.openxmlformats.org/officeDocument/2006/relationships" xmlns:p="http://schemas.openxmlformats.org/presentationml/2006/main">
+  <p:cSld>
+    <p:spTree>
+      <p:nvGrpSpPr>
+        <p:cNvPr id="1" name=""/>
+        <p:cNvGrpSpPr/>
+        <p:nvPr/>
+      </p:nvGrpSpPr>
+      <p:grpSpPr>
+        <a:xfrm>
+          <a:off x="0" y="0"/>
+          <a:ext cx="0" cy="0"/>
+          <a:chOff x="0" y="0"/>
+          <a:chExt cx="0" cy="0"/>
+        </a:xfrm>
+      </p:grpSpPr>
+      <p:sp>
+        <p:nvSpPr>
+          <p:cNvPr id="2" name="Title 1">
+            <a:extLst>
+              <a:ext uri="{FF2B5EF4-FFF2-40B4-BE49-F238E27FC236}">
+                <a16:creationId xmlns:a16="http://schemas.microsoft.com/office/drawing/2014/main" id="{3F11BA56-67CC-7303-9008-090FFB702A8B}"/>
+              </a:ext>
+            </a:extLst>
+          </p:cNvPr>
+          <p:cNvSpPr>
+            <a:spLocks noGrp="1"/>
+          </p:cNvSpPr>
+          <p:nvPr>
+            <p:ph type="title"/>
+          </p:nvPr>
+        </p:nvSpPr>
+        <p:spPr/>
+        <p:txBody>
+          <a:bodyPr/>
+          <a:lstStyle/>
+          <a:p>
+            <a:r>
+              <a:rPr lang="en-US" dirty="0"/>
+              <a:t>Experimental Research on Sugar</a:t>
+            </a:r>
+          </a:p>
+        </p:txBody>
+      </p:sp>
+      <p:sp>
+        <p:nvSpPr>
+          <p:cNvPr id="3" name="Content Placeholder 2">
+            <a:extLst>
+              <a:ext uri="{FF2B5EF4-FFF2-40B4-BE49-F238E27FC236}">
+                <a16:creationId xmlns:a16="http://schemas.microsoft.com/office/drawing/2014/main" id="{03FC5919-9E7F-E5C9-C2DB-1BC00956FF88}"/>
+              </a:ext>
+            </a:extLst>
+          </p:cNvPr>
+          <p:cNvSpPr>
+            <a:spLocks noGrp="1"/>
+          </p:cNvSpPr>
+          <p:nvPr>
+            <p:ph idx="1"/>
+          </p:nvPr>
+        </p:nvSpPr>
+        <p:spPr/>
+        <p:txBody>
+          <a:bodyPr/>
+          <a:lstStyle/>
+          <a:p>
+            <a:r>
+              <a:rPr lang="en-US" dirty="0"/>
+              <a:t>How would we design a study to refute this idea?</a:t>
+            </a:r>
+          </a:p>
+          <a:p>
+            <a:endParaRPr lang="en-US" dirty="0"/>
+          </a:p>
+          <a:p>
+            <a:endParaRPr lang="en-US" dirty="0"/>
+          </a:p>
+          <a:p>
+            <a:r>
+              <a:rPr lang="en-US" dirty="0"/>
+              <a:t>What is the fundamental problem with our experimental approach?</a:t>
+            </a:r>
+          </a:p>
+        </p:txBody>
+      </p:sp>
+      <p:pic>
+        <p:nvPicPr>
+          <p:cNvPr id="6" name="Picture 5">
+            <a:extLst>
+              <a:ext uri="{FF2B5EF4-FFF2-40B4-BE49-F238E27FC236}">
+                <a16:creationId xmlns:a16="http://schemas.microsoft.com/office/drawing/2014/main" id="{A2A7CEF8-B82F-52CE-5435-7DF322E80D15}"/>
+              </a:ext>
+            </a:extLst>
+          </p:cNvPr>
+          <p:cNvPicPr>
+            <a:picLocks noChangeAspect="1"/>
+          </p:cNvPicPr>
+          <p:nvPr/>
+        </p:nvPicPr>
+        <p:blipFill>
+          <a:blip r:embed="rId2"/>
+          <a:stretch>
+            <a:fillRect/>
+          </a:stretch>
+        </p:blipFill>
+        <p:spPr>
+          <a:xfrm>
+            <a:off x="2949718" y="4852988"/>
+            <a:ext cx="8620125" cy="1323975"/>
+          </a:xfrm>
+          <a:prstGeom prst="rect">
+            <a:avLst/>
+          </a:prstGeom>
+        </p:spPr>
+      </p:pic>
+    </p:spTree>
+    <p:extLst>
+      <p:ext uri="{BB962C8B-B14F-4D97-AF65-F5344CB8AC3E}">
+        <p14:creationId xmlns:p14="http://schemas.microsoft.com/office/powerpoint/2010/main" val="80057715"/>
+      </p:ext>
+    </p:extLst>
+  </p:cSld>
+  <p:clrMapOvr>
+    <a:masterClrMapping/>
+  </p:clrMapOvr>
+</p:sld>
+</file>
+
 <file path=ppt/slides/slide2.xml><?xml version="1.0" encoding="utf-8"?>
 <p:sld xmlns:a="http://schemas.openxmlformats.org/drawingml/2006/main" xmlns:r="http://schemas.openxmlformats.org/officeDocument/2006/relationships" xmlns:p="http://schemas.openxmlformats.org/presentationml/2006/main">
   <p:cSld>
@@ -5915,6 +6169,1497 @@
     <p:extLst>
       <p:ext uri="{BB962C8B-B14F-4D97-AF65-F5344CB8AC3E}">
         <p14:creationId xmlns:p14="http://schemas.microsoft.com/office/powerpoint/2010/main" val="3701702792"/>
+      </p:ext>
+    </p:extLst>
+  </p:cSld>
+  <p:clrMapOvr>
+    <a:masterClrMapping/>
+  </p:clrMapOvr>
+</p:sld>
+</file>
+
+<file path=ppt/slides/slide20.xml><?xml version="1.0" encoding="utf-8"?>
+<p:sld xmlns:a="http://schemas.openxmlformats.org/drawingml/2006/main" xmlns:r="http://schemas.openxmlformats.org/officeDocument/2006/relationships" xmlns:p="http://schemas.openxmlformats.org/presentationml/2006/main">
+  <p:cSld>
+    <p:spTree>
+      <p:nvGrpSpPr>
+        <p:cNvPr id="1" name=""/>
+        <p:cNvGrpSpPr/>
+        <p:nvPr/>
+      </p:nvGrpSpPr>
+      <p:grpSpPr>
+        <a:xfrm>
+          <a:off x="0" y="0"/>
+          <a:ext cx="0" cy="0"/>
+          <a:chOff x="0" y="0"/>
+          <a:chExt cx="0" cy="0"/>
+        </a:xfrm>
+      </p:grpSpPr>
+      <p:sp>
+        <p:nvSpPr>
+          <p:cNvPr id="8" name="Title 7">
+            <a:extLst>
+              <a:ext uri="{FF2B5EF4-FFF2-40B4-BE49-F238E27FC236}">
+                <a16:creationId xmlns:a16="http://schemas.microsoft.com/office/drawing/2014/main" id="{26D6A543-6D08-DCFF-F28C-D44C29FA028D}"/>
+              </a:ext>
+            </a:extLst>
+          </p:cNvPr>
+          <p:cNvSpPr>
+            <a:spLocks noGrp="1"/>
+          </p:cNvSpPr>
+          <p:nvPr>
+            <p:ph type="title"/>
+          </p:nvPr>
+        </p:nvSpPr>
+        <p:spPr/>
+        <p:txBody>
+          <a:bodyPr/>
+          <a:lstStyle/>
+          <a:p>
+            <a:endParaRPr lang="en-US"/>
+          </a:p>
+        </p:txBody>
+      </p:sp>
+      <p:sp>
+        <p:nvSpPr>
+          <p:cNvPr id="9" name="Content Placeholder 8">
+            <a:extLst>
+              <a:ext uri="{FF2B5EF4-FFF2-40B4-BE49-F238E27FC236}">
+                <a16:creationId xmlns:a16="http://schemas.microsoft.com/office/drawing/2014/main" id="{68233B34-3653-0DA6-2729-CB3C43C63FC3}"/>
+              </a:ext>
+            </a:extLst>
+          </p:cNvPr>
+          <p:cNvSpPr>
+            <a:spLocks noGrp="1"/>
+          </p:cNvSpPr>
+          <p:nvPr>
+            <p:ph sz="half" idx="1"/>
+          </p:nvPr>
+        </p:nvSpPr>
+        <p:spPr>
+          <a:xfrm>
+            <a:off x="838200" y="1825625"/>
+            <a:ext cx="4785360" cy="4351338"/>
+          </a:xfrm>
+        </p:spPr>
+        <p:txBody>
+          <a:bodyPr>
+            <a:normAutofit lnSpcReduction="10000"/>
+          </a:bodyPr>
+          <a:lstStyle/>
+          <a:p>
+            <a:endParaRPr lang="en-US" dirty="0"/>
+          </a:p>
+          <a:p>
+            <a:endParaRPr lang="en-US" dirty="0"/>
+          </a:p>
+          <a:p>
+            <a:r>
+              <a:rPr lang="en-US" dirty="0"/>
+              <a:t>Meta-analysis: combined re-analysis of a set of published research studies</a:t>
+            </a:r>
+          </a:p>
+          <a:p>
+            <a:r>
+              <a:rPr lang="en-US" dirty="0"/>
+              <a:t>Provides additional sensitivity to small effect sizes</a:t>
+            </a:r>
+          </a:p>
+          <a:p>
+            <a:r>
+              <a:rPr lang="en-US" dirty="0"/>
+              <a:t>Can be used to argue for effect size = 0</a:t>
+            </a:r>
+          </a:p>
+        </p:txBody>
+      </p:sp>
+      <p:sp>
+        <p:nvSpPr>
+          <p:cNvPr id="10" name="Content Placeholder 9">
+            <a:extLst>
+              <a:ext uri="{FF2B5EF4-FFF2-40B4-BE49-F238E27FC236}">
+                <a16:creationId xmlns:a16="http://schemas.microsoft.com/office/drawing/2014/main" id="{39A7C3C2-3C63-451F-F07A-2413B5288690}"/>
+              </a:ext>
+            </a:extLst>
+          </p:cNvPr>
+          <p:cNvSpPr>
+            <a:spLocks noGrp="1"/>
+          </p:cNvSpPr>
+          <p:nvPr>
+            <p:ph sz="half" idx="2"/>
+          </p:nvPr>
+        </p:nvSpPr>
+        <p:spPr/>
+        <p:txBody>
+          <a:bodyPr>
+            <a:normAutofit lnSpcReduction="10000"/>
+          </a:bodyPr>
+          <a:lstStyle/>
+          <a:p>
+            <a:endParaRPr lang="en-US"/>
+          </a:p>
+        </p:txBody>
+      </p:sp>
+      <p:pic>
+        <p:nvPicPr>
+          <p:cNvPr id="5" name="Picture 4">
+            <a:extLst>
+              <a:ext uri="{FF2B5EF4-FFF2-40B4-BE49-F238E27FC236}">
+                <a16:creationId xmlns:a16="http://schemas.microsoft.com/office/drawing/2014/main" id="{4B6FFE49-1AE1-7A15-20A1-B91A2D3B07E2}"/>
+              </a:ext>
+            </a:extLst>
+          </p:cNvPr>
+          <p:cNvPicPr>
+            <a:picLocks noChangeAspect="1"/>
+          </p:cNvPicPr>
+          <p:nvPr/>
+        </p:nvPicPr>
+        <p:blipFill>
+          <a:blip r:embed="rId2"/>
+          <a:stretch>
+            <a:fillRect/>
+          </a:stretch>
+        </p:blipFill>
+        <p:spPr>
+          <a:xfrm>
+            <a:off x="838200" y="199072"/>
+            <a:ext cx="7184953" cy="2239328"/>
+          </a:xfrm>
+          <a:prstGeom prst="rect">
+            <a:avLst/>
+          </a:prstGeom>
+        </p:spPr>
+      </p:pic>
+      <p:pic>
+        <p:nvPicPr>
+          <p:cNvPr id="7" name="Picture 6">
+            <a:extLst>
+              <a:ext uri="{FF2B5EF4-FFF2-40B4-BE49-F238E27FC236}">
+                <a16:creationId xmlns:a16="http://schemas.microsoft.com/office/drawing/2014/main" id="{B255BAF2-22C7-0C6F-BD86-05859A5596CC}"/>
+              </a:ext>
+            </a:extLst>
+          </p:cNvPr>
+          <p:cNvPicPr>
+            <a:picLocks noChangeAspect="1"/>
+          </p:cNvPicPr>
+          <p:nvPr/>
+        </p:nvPicPr>
+        <p:blipFill>
+          <a:blip r:embed="rId3"/>
+          <a:stretch>
+            <a:fillRect/>
+          </a:stretch>
+        </p:blipFill>
+        <p:spPr>
+          <a:xfrm>
+            <a:off x="5745480" y="1974310"/>
+            <a:ext cx="5608320" cy="4337590"/>
+          </a:xfrm>
+          <a:prstGeom prst="rect">
+            <a:avLst/>
+          </a:prstGeom>
+        </p:spPr>
+      </p:pic>
+    </p:spTree>
+    <p:extLst>
+      <p:ext uri="{BB962C8B-B14F-4D97-AF65-F5344CB8AC3E}">
+        <p14:creationId xmlns:p14="http://schemas.microsoft.com/office/powerpoint/2010/main" val="3688970238"/>
+      </p:ext>
+    </p:extLst>
+  </p:cSld>
+  <p:clrMapOvr>
+    <a:masterClrMapping/>
+  </p:clrMapOvr>
+</p:sld>
+</file>
+
+<file path=ppt/slides/slide21.xml><?xml version="1.0" encoding="utf-8"?>
+<p:sld xmlns:a="http://schemas.openxmlformats.org/drawingml/2006/main" xmlns:r="http://schemas.openxmlformats.org/officeDocument/2006/relationships" xmlns:p="http://schemas.openxmlformats.org/presentationml/2006/main">
+  <p:cSld>
+    <p:spTree>
+      <p:nvGrpSpPr>
+        <p:cNvPr id="1" name=""/>
+        <p:cNvGrpSpPr/>
+        <p:nvPr/>
+      </p:nvGrpSpPr>
+      <p:grpSpPr>
+        <a:xfrm>
+          <a:off x="0" y="0"/>
+          <a:ext cx="0" cy="0"/>
+          <a:chOff x="0" y="0"/>
+          <a:chExt cx="0" cy="0"/>
+        </a:xfrm>
+      </p:grpSpPr>
+      <p:sp>
+        <p:nvSpPr>
+          <p:cNvPr id="2" name="Title 1">
+            <a:extLst>
+              <a:ext uri="{FF2B5EF4-FFF2-40B4-BE49-F238E27FC236}">
+                <a16:creationId xmlns:a16="http://schemas.microsoft.com/office/drawing/2014/main" id="{F1F97610-BE3B-5BA7-858A-251DF9DEED42}"/>
+              </a:ext>
+            </a:extLst>
+          </p:cNvPr>
+          <p:cNvSpPr>
+            <a:spLocks noGrp="1"/>
+          </p:cNvSpPr>
+          <p:nvPr>
+            <p:ph type="title"/>
+          </p:nvPr>
+        </p:nvSpPr>
+        <p:spPr/>
+        <p:txBody>
+          <a:bodyPr/>
+          <a:lstStyle/>
+          <a:p>
+            <a:endParaRPr lang="en-US"/>
+          </a:p>
+        </p:txBody>
+      </p:sp>
+      <p:sp>
+        <p:nvSpPr>
+          <p:cNvPr id="3" name="Content Placeholder 2">
+            <a:extLst>
+              <a:ext uri="{FF2B5EF4-FFF2-40B4-BE49-F238E27FC236}">
+                <a16:creationId xmlns:a16="http://schemas.microsoft.com/office/drawing/2014/main" id="{B054EB6C-D4A5-DB4A-0B3B-E145FA51C1D7}"/>
+              </a:ext>
+            </a:extLst>
+          </p:cNvPr>
+          <p:cNvSpPr>
+            <a:spLocks noGrp="1"/>
+          </p:cNvSpPr>
+          <p:nvPr>
+            <p:ph sz="half" idx="1"/>
+          </p:nvPr>
+        </p:nvSpPr>
+        <p:spPr/>
+        <p:txBody>
+          <a:bodyPr/>
+          <a:lstStyle/>
+          <a:p>
+            <a:endParaRPr lang="en-US"/>
+          </a:p>
+        </p:txBody>
+      </p:sp>
+      <p:sp>
+        <p:nvSpPr>
+          <p:cNvPr id="4" name="Content Placeholder 3">
+            <a:extLst>
+              <a:ext uri="{FF2B5EF4-FFF2-40B4-BE49-F238E27FC236}">
+                <a16:creationId xmlns:a16="http://schemas.microsoft.com/office/drawing/2014/main" id="{64AB5A43-BA6F-E099-CED2-54AE1BD922D1}"/>
+              </a:ext>
+            </a:extLst>
+          </p:cNvPr>
+          <p:cNvSpPr>
+            <a:spLocks noGrp="1"/>
+          </p:cNvSpPr>
+          <p:nvPr>
+            <p:ph sz="half" idx="2"/>
+          </p:nvPr>
+        </p:nvSpPr>
+        <p:spPr/>
+        <p:txBody>
+          <a:bodyPr/>
+          <a:lstStyle/>
+          <a:p>
+            <a:endParaRPr lang="en-US"/>
+          </a:p>
+        </p:txBody>
+      </p:sp>
+      <p:pic>
+        <p:nvPicPr>
+          <p:cNvPr id="6" name="Picture 5">
+            <a:extLst>
+              <a:ext uri="{FF2B5EF4-FFF2-40B4-BE49-F238E27FC236}">
+                <a16:creationId xmlns:a16="http://schemas.microsoft.com/office/drawing/2014/main" id="{B91184A5-FC49-978E-D454-28F4FD264AB1}"/>
+              </a:ext>
+            </a:extLst>
+          </p:cNvPr>
+          <p:cNvPicPr>
+            <a:picLocks noChangeAspect="1"/>
+          </p:cNvPicPr>
+          <p:nvPr/>
+        </p:nvPicPr>
+        <p:blipFill>
+          <a:blip r:embed="rId2"/>
+          <a:stretch>
+            <a:fillRect/>
+          </a:stretch>
+        </p:blipFill>
+        <p:spPr>
+          <a:xfrm>
+            <a:off x="838200" y="365125"/>
+            <a:ext cx="10515600" cy="6558934"/>
+          </a:xfrm>
+          <a:prstGeom prst="rect">
+            <a:avLst/>
+          </a:prstGeom>
+        </p:spPr>
+      </p:pic>
+    </p:spTree>
+    <p:extLst>
+      <p:ext uri="{BB962C8B-B14F-4D97-AF65-F5344CB8AC3E}">
+        <p14:creationId xmlns:p14="http://schemas.microsoft.com/office/powerpoint/2010/main" val="816458030"/>
+      </p:ext>
+    </p:extLst>
+  </p:cSld>
+  <p:clrMapOvr>
+    <a:masterClrMapping/>
+  </p:clrMapOvr>
+</p:sld>
+</file>
+
+<file path=ppt/slides/slide22.xml><?xml version="1.0" encoding="utf-8"?>
+<p:sld xmlns:a="http://schemas.openxmlformats.org/drawingml/2006/main" xmlns:r="http://schemas.openxmlformats.org/officeDocument/2006/relationships" xmlns:p="http://schemas.openxmlformats.org/presentationml/2006/main">
+  <p:cSld>
+    <p:spTree>
+      <p:nvGrpSpPr>
+        <p:cNvPr id="1" name=""/>
+        <p:cNvGrpSpPr/>
+        <p:nvPr/>
+      </p:nvGrpSpPr>
+      <p:grpSpPr>
+        <a:xfrm>
+          <a:off x="0" y="0"/>
+          <a:ext cx="0" cy="0"/>
+          <a:chOff x="0" y="0"/>
+          <a:chExt cx="0" cy="0"/>
+        </a:xfrm>
+      </p:grpSpPr>
+      <p:sp>
+        <p:nvSpPr>
+          <p:cNvPr id="2" name="Title 1">
+            <a:extLst>
+              <a:ext uri="{FF2B5EF4-FFF2-40B4-BE49-F238E27FC236}">
+                <a16:creationId xmlns:a16="http://schemas.microsoft.com/office/drawing/2014/main" id="{7C9C614E-9C5A-434B-D585-3F51C0B3E056}"/>
+              </a:ext>
+            </a:extLst>
+          </p:cNvPr>
+          <p:cNvSpPr>
+            <a:spLocks noGrp="1"/>
+          </p:cNvSpPr>
+          <p:nvPr>
+            <p:ph type="title"/>
+          </p:nvPr>
+        </p:nvSpPr>
+        <p:spPr/>
+        <p:txBody>
+          <a:bodyPr/>
+          <a:lstStyle/>
+          <a:p>
+            <a:endParaRPr lang="en-US"/>
+          </a:p>
+        </p:txBody>
+      </p:sp>
+      <p:sp>
+        <p:nvSpPr>
+          <p:cNvPr id="3" name="Content Placeholder 2">
+            <a:extLst>
+              <a:ext uri="{FF2B5EF4-FFF2-40B4-BE49-F238E27FC236}">
+                <a16:creationId xmlns:a16="http://schemas.microsoft.com/office/drawing/2014/main" id="{6E01D00B-C6AC-6331-E616-4E17AA16F5E4}"/>
+              </a:ext>
+            </a:extLst>
+          </p:cNvPr>
+          <p:cNvSpPr>
+            <a:spLocks noGrp="1"/>
+          </p:cNvSpPr>
+          <p:nvPr>
+            <p:ph sz="half" idx="1"/>
+          </p:nvPr>
+        </p:nvSpPr>
+        <p:spPr/>
+        <p:txBody>
+          <a:bodyPr/>
+          <a:lstStyle/>
+          <a:p>
+            <a:endParaRPr lang="en-US"/>
+          </a:p>
+        </p:txBody>
+      </p:sp>
+      <p:sp>
+        <p:nvSpPr>
+          <p:cNvPr id="4" name="Content Placeholder 3">
+            <a:extLst>
+              <a:ext uri="{FF2B5EF4-FFF2-40B4-BE49-F238E27FC236}">
+                <a16:creationId xmlns:a16="http://schemas.microsoft.com/office/drawing/2014/main" id="{D1CAD400-41BC-B48E-E9A6-3C1F3B739EA4}"/>
+              </a:ext>
+            </a:extLst>
+          </p:cNvPr>
+          <p:cNvSpPr>
+            <a:spLocks noGrp="1"/>
+          </p:cNvSpPr>
+          <p:nvPr>
+            <p:ph sz="half" idx="2"/>
+          </p:nvPr>
+        </p:nvSpPr>
+        <p:spPr/>
+        <p:txBody>
+          <a:bodyPr/>
+          <a:lstStyle/>
+          <a:p>
+            <a:endParaRPr lang="en-US"/>
+          </a:p>
+        </p:txBody>
+      </p:sp>
+      <p:pic>
+        <p:nvPicPr>
+          <p:cNvPr id="6" name="Picture 5">
+            <a:extLst>
+              <a:ext uri="{FF2B5EF4-FFF2-40B4-BE49-F238E27FC236}">
+                <a16:creationId xmlns:a16="http://schemas.microsoft.com/office/drawing/2014/main" id="{77AF7D80-2151-5A5F-388C-301975D50BB3}"/>
+              </a:ext>
+            </a:extLst>
+          </p:cNvPr>
+          <p:cNvPicPr>
+            <a:picLocks noChangeAspect="1"/>
+          </p:cNvPicPr>
+          <p:nvPr/>
+        </p:nvPicPr>
+        <p:blipFill>
+          <a:blip r:embed="rId2"/>
+          <a:stretch>
+            <a:fillRect/>
+          </a:stretch>
+        </p:blipFill>
+        <p:spPr>
+          <a:xfrm>
+            <a:off x="716927" y="904689"/>
+            <a:ext cx="10910546" cy="5048621"/>
+          </a:xfrm>
+          <a:prstGeom prst="rect">
+            <a:avLst/>
+          </a:prstGeom>
+        </p:spPr>
+      </p:pic>
+    </p:spTree>
+    <p:extLst>
+      <p:ext uri="{BB962C8B-B14F-4D97-AF65-F5344CB8AC3E}">
+        <p14:creationId xmlns:p14="http://schemas.microsoft.com/office/powerpoint/2010/main" val="2806796604"/>
+      </p:ext>
+    </p:extLst>
+  </p:cSld>
+  <p:clrMapOvr>
+    <a:masterClrMapping/>
+  </p:clrMapOvr>
+</p:sld>
+</file>
+
+<file path=ppt/slides/slide23.xml><?xml version="1.0" encoding="utf-8"?>
+<p:sld xmlns:a="http://schemas.openxmlformats.org/drawingml/2006/main" xmlns:r="http://schemas.openxmlformats.org/officeDocument/2006/relationships" xmlns:p="http://schemas.openxmlformats.org/presentationml/2006/main">
+  <p:cSld>
+    <p:spTree>
+      <p:nvGrpSpPr>
+        <p:cNvPr id="1" name=""/>
+        <p:cNvGrpSpPr/>
+        <p:nvPr/>
+      </p:nvGrpSpPr>
+      <p:grpSpPr>
+        <a:xfrm>
+          <a:off x="0" y="0"/>
+          <a:ext cx="0" cy="0"/>
+          <a:chOff x="0" y="0"/>
+          <a:chExt cx="0" cy="0"/>
+        </a:xfrm>
+      </p:grpSpPr>
+      <p:sp>
+        <p:nvSpPr>
+          <p:cNvPr id="2" name="Title 1">
+            <a:extLst>
+              <a:ext uri="{FF2B5EF4-FFF2-40B4-BE49-F238E27FC236}">
+                <a16:creationId xmlns:a16="http://schemas.microsoft.com/office/drawing/2014/main" id="{BCAEA3B0-E8BA-F389-662B-38C0079F49E1}"/>
+              </a:ext>
+            </a:extLst>
+          </p:cNvPr>
+          <p:cNvSpPr>
+            <a:spLocks noGrp="1"/>
+          </p:cNvSpPr>
+          <p:nvPr>
+            <p:ph type="title"/>
+          </p:nvPr>
+        </p:nvSpPr>
+        <p:spPr/>
+        <p:txBody>
+          <a:bodyPr/>
+          <a:lstStyle/>
+          <a:p>
+            <a:r>
+              <a:rPr lang="en-US" dirty="0"/>
+              <a:t>Forest Plots</a:t>
+            </a:r>
+          </a:p>
+        </p:txBody>
+      </p:sp>
+      <p:pic>
+        <p:nvPicPr>
+          <p:cNvPr id="6" name="Content Placeholder 5">
+            <a:extLst>
+              <a:ext uri="{FF2B5EF4-FFF2-40B4-BE49-F238E27FC236}">
+                <a16:creationId xmlns:a16="http://schemas.microsoft.com/office/drawing/2014/main" id="{BCA0010E-6F99-4BC5-6D92-A37227299B12}"/>
+              </a:ext>
+            </a:extLst>
+          </p:cNvPr>
+          <p:cNvPicPr>
+            <a:picLocks noGrp="1" noChangeAspect="1"/>
+          </p:cNvPicPr>
+          <p:nvPr>
+            <p:ph sz="half" idx="1"/>
+          </p:nvPr>
+        </p:nvPicPr>
+        <p:blipFill>
+          <a:blip r:embed="rId2"/>
+          <a:stretch>
+            <a:fillRect/>
+          </a:stretch>
+        </p:blipFill>
+        <p:spPr>
+          <a:xfrm>
+            <a:off x="527031" y="1727676"/>
+            <a:ext cx="5756612" cy="3652044"/>
+          </a:xfrm>
+        </p:spPr>
+      </p:pic>
+      <p:pic>
+        <p:nvPicPr>
+          <p:cNvPr id="8" name="Content Placeholder 7">
+            <a:extLst>
+              <a:ext uri="{FF2B5EF4-FFF2-40B4-BE49-F238E27FC236}">
+                <a16:creationId xmlns:a16="http://schemas.microsoft.com/office/drawing/2014/main" id="{205ABA31-031A-E8FD-3EAE-DF4979DCE761}"/>
+              </a:ext>
+            </a:extLst>
+          </p:cNvPr>
+          <p:cNvPicPr>
+            <a:picLocks noGrp="1" noChangeAspect="1"/>
+          </p:cNvPicPr>
+          <p:nvPr>
+            <p:ph sz="half" idx="2"/>
+          </p:nvPr>
+        </p:nvPicPr>
+        <p:blipFill>
+          <a:blip r:embed="rId3"/>
+          <a:stretch>
+            <a:fillRect/>
+          </a:stretch>
+        </p:blipFill>
+        <p:spPr>
+          <a:xfrm>
+            <a:off x="6472237" y="1834356"/>
+            <a:ext cx="5338763" cy="5005833"/>
+          </a:xfrm>
+        </p:spPr>
+      </p:pic>
+    </p:spTree>
+    <p:extLst>
+      <p:ext uri="{BB962C8B-B14F-4D97-AF65-F5344CB8AC3E}">
+        <p14:creationId xmlns:p14="http://schemas.microsoft.com/office/powerpoint/2010/main" val="2742969029"/>
+      </p:ext>
+    </p:extLst>
+  </p:cSld>
+  <p:clrMapOvr>
+    <a:masterClrMapping/>
+  </p:clrMapOvr>
+</p:sld>
+</file>
+
+<file path=ppt/slides/slide24.xml><?xml version="1.0" encoding="utf-8"?>
+<p:sld xmlns:a="http://schemas.openxmlformats.org/drawingml/2006/main" xmlns:r="http://schemas.openxmlformats.org/officeDocument/2006/relationships" xmlns:p="http://schemas.openxmlformats.org/presentationml/2006/main">
+  <p:cSld>
+    <p:spTree>
+      <p:nvGrpSpPr>
+        <p:cNvPr id="1" name="">
+          <a:extLst>
+            <a:ext uri="{FF2B5EF4-FFF2-40B4-BE49-F238E27FC236}">
+              <a16:creationId xmlns:a16="http://schemas.microsoft.com/office/drawing/2014/main" id="{7F060B15-4AA2-CE38-F3EB-43222211ECBC}"/>
+            </a:ext>
+          </a:extLst>
+        </p:cNvPr>
+        <p:cNvGrpSpPr/>
+        <p:nvPr/>
+      </p:nvGrpSpPr>
+      <p:grpSpPr>
+        <a:xfrm>
+          <a:off x="0" y="0"/>
+          <a:ext cx="0" cy="0"/>
+          <a:chOff x="0" y="0"/>
+          <a:chExt cx="0" cy="0"/>
+        </a:xfrm>
+      </p:grpSpPr>
+      <p:sp>
+        <p:nvSpPr>
+          <p:cNvPr id="2" name="Title 1">
+            <a:extLst>
+              <a:ext uri="{FF2B5EF4-FFF2-40B4-BE49-F238E27FC236}">
+                <a16:creationId xmlns:a16="http://schemas.microsoft.com/office/drawing/2014/main" id="{84749E83-5B1E-4F99-C5F4-561E50FFE431}"/>
+              </a:ext>
+            </a:extLst>
+          </p:cNvPr>
+          <p:cNvSpPr>
+            <a:spLocks noGrp="1"/>
+          </p:cNvSpPr>
+          <p:nvPr>
+            <p:ph type="title"/>
+          </p:nvPr>
+        </p:nvSpPr>
+        <p:spPr/>
+        <p:txBody>
+          <a:bodyPr/>
+          <a:lstStyle/>
+          <a:p>
+            <a:r>
+              <a:rPr lang="en-US" dirty="0"/>
+              <a:t>Brain Training</a:t>
+            </a:r>
+          </a:p>
+        </p:txBody>
+      </p:sp>
+      <p:sp>
+        <p:nvSpPr>
+          <p:cNvPr id="3" name="Content Placeholder 2">
+            <a:extLst>
+              <a:ext uri="{FF2B5EF4-FFF2-40B4-BE49-F238E27FC236}">
+                <a16:creationId xmlns:a16="http://schemas.microsoft.com/office/drawing/2014/main" id="{04B5A284-7251-4464-74D4-A9761D88A25D}"/>
+              </a:ext>
+            </a:extLst>
+          </p:cNvPr>
+          <p:cNvSpPr>
+            <a:spLocks noGrp="1"/>
+          </p:cNvSpPr>
+          <p:nvPr>
+            <p:ph idx="1"/>
+          </p:nvPr>
+        </p:nvSpPr>
+        <p:spPr/>
+        <p:txBody>
+          <a:bodyPr/>
+          <a:lstStyle/>
+          <a:p>
+            <a:r>
+              <a:rPr lang="en-US" dirty="0" err="1"/>
+              <a:t>Jaeggi</a:t>
+            </a:r>
+            <a:r>
+              <a:rPr lang="en-US" dirty="0"/>
+              <a:t> et al. (2008) reported an intervention that appeared to increase fluid intelligence</a:t>
+            </a:r>
+          </a:p>
+          <a:p>
+            <a:endParaRPr lang="en-US" dirty="0"/>
+          </a:p>
+          <a:p>
+            <a:r>
+              <a:rPr lang="en-US" dirty="0"/>
+              <a:t>Basic science: fluid intelligence is supposed to be immutable</a:t>
+            </a:r>
+          </a:p>
+          <a:p>
+            <a:pPr lvl="1"/>
+            <a:r>
+              <a:rPr lang="en-US" dirty="0"/>
+              <a:t>Some core cognitive abilities are traits</a:t>
+            </a:r>
+          </a:p>
+          <a:p>
+            <a:pPr lvl="1"/>
+            <a:r>
+              <a:rPr lang="en-US" dirty="0"/>
+              <a:t>Unaffected by education, experience, environment</a:t>
+            </a:r>
+          </a:p>
+          <a:p>
+            <a:r>
+              <a:rPr lang="en-US" dirty="0"/>
+              <a:t>Applied science: “use it or lose it” in cognitive aging</a:t>
+            </a:r>
+          </a:p>
+          <a:p>
+            <a:pPr lvl="1"/>
+            <a:r>
+              <a:rPr lang="en-US" dirty="0"/>
+              <a:t>Lifetime cognitive engagement predicts better aging</a:t>
+            </a:r>
+          </a:p>
+          <a:p>
+            <a:pPr lvl="1"/>
+            <a:r>
+              <a:rPr lang="en-US" dirty="0"/>
+              <a:t>High levels of education, “occupational complexity”</a:t>
+            </a:r>
+          </a:p>
+        </p:txBody>
+      </p:sp>
+    </p:spTree>
+    <p:extLst>
+      <p:ext uri="{BB962C8B-B14F-4D97-AF65-F5344CB8AC3E}">
+        <p14:creationId xmlns:p14="http://schemas.microsoft.com/office/powerpoint/2010/main" val="1951718161"/>
+      </p:ext>
+    </p:extLst>
+  </p:cSld>
+  <p:clrMapOvr>
+    <a:masterClrMapping/>
+  </p:clrMapOvr>
+</p:sld>
+</file>
+
+<file path=ppt/slides/slide25.xml><?xml version="1.0" encoding="utf-8"?>
+<p:sld xmlns:a="http://schemas.openxmlformats.org/drawingml/2006/main" xmlns:r="http://schemas.openxmlformats.org/officeDocument/2006/relationships" xmlns:p="http://schemas.openxmlformats.org/presentationml/2006/main">
+  <p:cSld>
+    <p:spTree>
+      <p:nvGrpSpPr>
+        <p:cNvPr id="1" name="">
+          <a:extLst>
+            <a:ext uri="{FF2B5EF4-FFF2-40B4-BE49-F238E27FC236}">
+              <a16:creationId xmlns:a16="http://schemas.microsoft.com/office/drawing/2014/main" id="{0DC1BACD-0291-AB25-41A1-348590C5C65D}"/>
+            </a:ext>
+          </a:extLst>
+        </p:cNvPr>
+        <p:cNvGrpSpPr/>
+        <p:nvPr/>
+      </p:nvGrpSpPr>
+      <p:grpSpPr>
+        <a:xfrm>
+          <a:off x="0" y="0"/>
+          <a:ext cx="0" cy="0"/>
+          <a:chOff x="0" y="0"/>
+          <a:chExt cx="0" cy="0"/>
+        </a:xfrm>
+      </p:grpSpPr>
+      <p:sp>
+        <p:nvSpPr>
+          <p:cNvPr id="2" name="Title 1">
+            <a:extLst>
+              <a:ext uri="{FF2B5EF4-FFF2-40B4-BE49-F238E27FC236}">
+                <a16:creationId xmlns:a16="http://schemas.microsoft.com/office/drawing/2014/main" id="{0F67EF46-85E1-5958-D21F-AC31D992F76F}"/>
+              </a:ext>
+            </a:extLst>
+          </p:cNvPr>
+          <p:cNvSpPr>
+            <a:spLocks noGrp="1"/>
+          </p:cNvSpPr>
+          <p:nvPr>
+            <p:ph type="title"/>
+          </p:nvPr>
+        </p:nvSpPr>
+        <p:spPr/>
+        <p:txBody>
+          <a:bodyPr/>
+          <a:lstStyle/>
+          <a:p>
+            <a:r>
+              <a:rPr lang="en-US" dirty="0"/>
+              <a:t>Methodological challenges</a:t>
+            </a:r>
+          </a:p>
+        </p:txBody>
+      </p:sp>
+      <p:sp>
+        <p:nvSpPr>
+          <p:cNvPr id="3" name="Content Placeholder 2">
+            <a:extLst>
+              <a:ext uri="{FF2B5EF4-FFF2-40B4-BE49-F238E27FC236}">
+                <a16:creationId xmlns:a16="http://schemas.microsoft.com/office/drawing/2014/main" id="{708BEA34-81BF-EED7-ACD0-56A4163F604B}"/>
+              </a:ext>
+            </a:extLst>
+          </p:cNvPr>
+          <p:cNvSpPr>
+            <a:spLocks noGrp="1"/>
+          </p:cNvSpPr>
+          <p:nvPr>
+            <p:ph idx="1"/>
+          </p:nvPr>
+        </p:nvSpPr>
+        <p:spPr/>
+        <p:txBody>
+          <a:bodyPr>
+            <a:normAutofit lnSpcReduction="10000"/>
+          </a:bodyPr>
+          <a:lstStyle/>
+          <a:p>
+            <a:r>
+              <a:rPr lang="en-US" dirty="0"/>
+              <a:t>What is the best control condition to the intervention?</a:t>
+            </a:r>
+          </a:p>
+          <a:p>
+            <a:pPr lvl="1"/>
+            <a:r>
+              <a:rPr lang="en-US" dirty="0"/>
+              <a:t>Demand characteristics matter</a:t>
+            </a:r>
+          </a:p>
+          <a:p>
+            <a:r>
+              <a:rPr lang="en-US" dirty="0"/>
+              <a:t>What is the appropriate dependent variable?</a:t>
+            </a:r>
+          </a:p>
+          <a:p>
+            <a:pPr lvl="1"/>
+            <a:r>
+              <a:rPr lang="en-US" dirty="0"/>
+              <a:t>Matrix-based IQ tests are not designed for this</a:t>
+            </a:r>
+          </a:p>
+          <a:p>
+            <a:r>
+              <a:rPr lang="en-US" dirty="0"/>
+              <a:t>Generalization across age</a:t>
+            </a:r>
+          </a:p>
+          <a:p>
+            <a:pPr lvl="1"/>
+            <a:r>
+              <a:rPr lang="en-US" dirty="0"/>
+              <a:t>Undergraduates</a:t>
+            </a:r>
+          </a:p>
+          <a:p>
+            <a:pPr lvl="1"/>
+            <a:r>
+              <a:rPr lang="en-US" dirty="0"/>
+              <a:t>Children</a:t>
+            </a:r>
+          </a:p>
+          <a:p>
+            <a:pPr lvl="1"/>
+            <a:r>
+              <a:rPr lang="en-US" dirty="0"/>
+              <a:t>Older adults</a:t>
+            </a:r>
+          </a:p>
+          <a:p>
+            <a:r>
+              <a:rPr lang="en-US" dirty="0"/>
+              <a:t>Effect size estimates</a:t>
+            </a:r>
+          </a:p>
+          <a:p>
+            <a:pPr lvl="1"/>
+            <a:r>
+              <a:rPr lang="en-US" dirty="0"/>
+              <a:t>0.8 -&gt; 0.2</a:t>
+            </a:r>
+          </a:p>
+          <a:p>
+            <a:pPr lvl="1"/>
+            <a:endParaRPr lang="en-US" dirty="0"/>
+          </a:p>
+        </p:txBody>
+      </p:sp>
+    </p:spTree>
+    <p:extLst>
+      <p:ext uri="{BB962C8B-B14F-4D97-AF65-F5344CB8AC3E}">
+        <p14:creationId xmlns:p14="http://schemas.microsoft.com/office/powerpoint/2010/main" val="2611046666"/>
+      </p:ext>
+    </p:extLst>
+  </p:cSld>
+  <p:clrMapOvr>
+    <a:masterClrMapping/>
+  </p:clrMapOvr>
+</p:sld>
+</file>
+
+<file path=ppt/slides/slide26.xml><?xml version="1.0" encoding="utf-8"?>
+<p:sld xmlns:a="http://schemas.openxmlformats.org/drawingml/2006/main" xmlns:r="http://schemas.openxmlformats.org/officeDocument/2006/relationships" xmlns:p="http://schemas.openxmlformats.org/presentationml/2006/main">
+  <p:cSld>
+    <p:spTree>
+      <p:nvGrpSpPr>
+        <p:cNvPr id="1" name="">
+          <a:extLst>
+            <a:ext uri="{FF2B5EF4-FFF2-40B4-BE49-F238E27FC236}">
+              <a16:creationId xmlns:a16="http://schemas.microsoft.com/office/drawing/2014/main" id="{045ED9CD-9BB4-8AC0-B266-DD3BB072992A}"/>
+            </a:ext>
+          </a:extLst>
+        </p:cNvPr>
+        <p:cNvGrpSpPr/>
+        <p:nvPr/>
+      </p:nvGrpSpPr>
+      <p:grpSpPr>
+        <a:xfrm>
+          <a:off x="0" y="0"/>
+          <a:ext cx="0" cy="0"/>
+          <a:chOff x="0" y="0"/>
+          <a:chExt cx="0" cy="0"/>
+        </a:xfrm>
+      </p:grpSpPr>
+      <p:sp>
+        <p:nvSpPr>
+          <p:cNvPr id="2" name="Title 1">
+            <a:extLst>
+              <a:ext uri="{FF2B5EF4-FFF2-40B4-BE49-F238E27FC236}">
+                <a16:creationId xmlns:a16="http://schemas.microsoft.com/office/drawing/2014/main" id="{AA43646B-6695-EE17-06E1-B5CBFC72153D}"/>
+              </a:ext>
+            </a:extLst>
+          </p:cNvPr>
+          <p:cNvSpPr>
+            <a:spLocks noGrp="1"/>
+          </p:cNvSpPr>
+          <p:nvPr>
+            <p:ph type="title"/>
+          </p:nvPr>
+        </p:nvSpPr>
+        <p:spPr/>
+        <p:txBody>
+          <a:bodyPr/>
+          <a:lstStyle/>
+          <a:p>
+            <a:r>
+              <a:rPr lang="en-US" dirty="0"/>
+              <a:t>RCR Problems</a:t>
+            </a:r>
+          </a:p>
+        </p:txBody>
+      </p:sp>
+      <p:sp>
+        <p:nvSpPr>
+          <p:cNvPr id="3" name="Content Placeholder 2">
+            <a:extLst>
+              <a:ext uri="{FF2B5EF4-FFF2-40B4-BE49-F238E27FC236}">
+                <a16:creationId xmlns:a16="http://schemas.microsoft.com/office/drawing/2014/main" id="{5162733F-B9E9-17A3-9B29-F04356C07530}"/>
+              </a:ext>
+            </a:extLst>
+          </p:cNvPr>
+          <p:cNvSpPr>
+            <a:spLocks noGrp="1"/>
+          </p:cNvSpPr>
+          <p:nvPr>
+            <p:ph idx="1"/>
+          </p:nvPr>
+        </p:nvSpPr>
+        <p:spPr/>
+        <p:txBody>
+          <a:bodyPr/>
+          <a:lstStyle/>
+          <a:p>
+            <a:r>
+              <a:rPr lang="en-US" dirty="0"/>
+              <a:t>Lumosity Brain Training company</a:t>
+            </a:r>
+          </a:p>
+          <a:p>
+            <a:pPr lvl="1"/>
+            <a:r>
+              <a:rPr lang="en-US" dirty="0"/>
+              <a:t>Licensed tasks</a:t>
+            </a:r>
+          </a:p>
+          <a:p>
+            <a:pPr lvl="1"/>
+            <a:r>
+              <a:rPr lang="en-US" dirty="0"/>
+              <a:t>Funded efficacy research</a:t>
+            </a:r>
+          </a:p>
+          <a:p>
+            <a:pPr lvl="1"/>
+            <a:r>
+              <a:rPr lang="en-US" dirty="0"/>
+              <a:t>Paid a large fine for misleading advertising</a:t>
+            </a:r>
+          </a:p>
+          <a:p>
+            <a:pPr lvl="1"/>
+            <a:endParaRPr lang="en-US" dirty="0"/>
+          </a:p>
+          <a:p>
+            <a:r>
+              <a:rPr lang="en-US" dirty="0"/>
+              <a:t>Brain training markets</a:t>
+            </a:r>
+          </a:p>
+          <a:p>
+            <a:pPr lvl="1"/>
+            <a:r>
+              <a:rPr lang="en-US" dirty="0"/>
+              <a:t>Children with learning disabilities</a:t>
+            </a:r>
+          </a:p>
+          <a:p>
+            <a:pPr lvl="1"/>
+            <a:r>
+              <a:rPr lang="en-US" dirty="0"/>
+              <a:t>Older adults and cognitive decline</a:t>
+            </a:r>
+          </a:p>
+          <a:p>
+            <a:pPr lvl="1"/>
+            <a:endParaRPr lang="en-US" dirty="0"/>
+          </a:p>
+          <a:p>
+            <a:r>
+              <a:rPr lang="en-US" dirty="0"/>
+              <a:t>Conflict of Interest concerns greatly heightened skepticism</a:t>
+            </a:r>
+          </a:p>
+        </p:txBody>
+      </p:sp>
+    </p:spTree>
+    <p:extLst>
+      <p:ext uri="{BB962C8B-B14F-4D97-AF65-F5344CB8AC3E}">
+        <p14:creationId xmlns:p14="http://schemas.microsoft.com/office/powerpoint/2010/main" val="227834124"/>
+      </p:ext>
+    </p:extLst>
+  </p:cSld>
+  <p:clrMapOvr>
+    <a:masterClrMapping/>
+  </p:clrMapOvr>
+</p:sld>
+</file>
+
+<file path=ppt/slides/slide27.xml><?xml version="1.0" encoding="utf-8"?>
+<p:sld xmlns:a="http://schemas.openxmlformats.org/drawingml/2006/main" xmlns:r="http://schemas.openxmlformats.org/officeDocument/2006/relationships" xmlns:p="http://schemas.openxmlformats.org/presentationml/2006/main">
+  <p:cSld>
+    <p:spTree>
+      <p:nvGrpSpPr>
+        <p:cNvPr id="1" name="">
+          <a:extLst>
+            <a:ext uri="{FF2B5EF4-FFF2-40B4-BE49-F238E27FC236}">
+              <a16:creationId xmlns:a16="http://schemas.microsoft.com/office/drawing/2014/main" id="{8DDAE5AE-7D8D-8516-71C7-6D88C7E6C9C0}"/>
+            </a:ext>
+          </a:extLst>
+        </p:cNvPr>
+        <p:cNvGrpSpPr/>
+        <p:nvPr/>
+      </p:nvGrpSpPr>
+      <p:grpSpPr>
+        <a:xfrm>
+          <a:off x="0" y="0"/>
+          <a:ext cx="0" cy="0"/>
+          <a:chOff x="0" y="0"/>
+          <a:chExt cx="0" cy="0"/>
+        </a:xfrm>
+      </p:grpSpPr>
+      <p:sp>
+        <p:nvSpPr>
+          <p:cNvPr id="2" name="Title 1">
+            <a:extLst>
+              <a:ext uri="{FF2B5EF4-FFF2-40B4-BE49-F238E27FC236}">
+                <a16:creationId xmlns:a16="http://schemas.microsoft.com/office/drawing/2014/main" id="{70B33358-CD05-826A-15A9-35E5AC855FAF}"/>
+              </a:ext>
+            </a:extLst>
+          </p:cNvPr>
+          <p:cNvSpPr>
+            <a:spLocks noGrp="1"/>
+          </p:cNvSpPr>
+          <p:nvPr>
+            <p:ph type="title"/>
+          </p:nvPr>
+        </p:nvSpPr>
+        <p:spPr/>
+        <p:txBody>
+          <a:bodyPr/>
+          <a:lstStyle/>
+          <a:p>
+            <a:r>
+              <a:rPr lang="en-US" dirty="0"/>
+              <a:t>Owen et al. (2010)</a:t>
+            </a:r>
+          </a:p>
+        </p:txBody>
+      </p:sp>
+      <p:sp>
+        <p:nvSpPr>
+          <p:cNvPr id="3" name="Content Placeholder 2">
+            <a:extLst>
+              <a:ext uri="{FF2B5EF4-FFF2-40B4-BE49-F238E27FC236}">
+                <a16:creationId xmlns:a16="http://schemas.microsoft.com/office/drawing/2014/main" id="{FC5EDD34-DD1E-E8C1-DFC5-AE27E4F7D21E}"/>
+              </a:ext>
+            </a:extLst>
+          </p:cNvPr>
+          <p:cNvSpPr>
+            <a:spLocks noGrp="1"/>
+          </p:cNvSpPr>
+          <p:nvPr>
+            <p:ph idx="1"/>
+          </p:nvPr>
+        </p:nvSpPr>
+        <p:spPr/>
+        <p:txBody>
+          <a:bodyPr/>
+          <a:lstStyle/>
+          <a:p>
+            <a:r>
+              <a:rPr lang="en-US" dirty="0"/>
+              <a:t>Large-scale study failed to find effects</a:t>
+            </a:r>
+          </a:p>
+          <a:p>
+            <a:pPr lvl="1"/>
+            <a:r>
+              <a:rPr lang="en-US" dirty="0"/>
+              <a:t>6 weeks of training</a:t>
+            </a:r>
+          </a:p>
+          <a:p>
+            <a:pPr lvl="1"/>
+            <a:r>
+              <a:rPr lang="en-US" dirty="0"/>
+              <a:t>N = 11,430 online participants</a:t>
+            </a:r>
+          </a:p>
+          <a:p>
+            <a:pPr lvl="1"/>
+            <a:endParaRPr lang="en-US" dirty="0"/>
+          </a:p>
+          <a:p>
+            <a:r>
+              <a:rPr lang="en-US" dirty="0"/>
+              <a:t>Practice improved performance on trained tasks</a:t>
+            </a:r>
+          </a:p>
+          <a:p>
+            <a:pPr lvl="1"/>
+            <a:r>
+              <a:rPr lang="en-US" dirty="0"/>
+              <a:t>Did not transfer to any general or untrained measures</a:t>
+            </a:r>
+          </a:p>
+          <a:p>
+            <a:pPr lvl="1"/>
+            <a:endParaRPr lang="en-US" dirty="0"/>
+          </a:p>
+          <a:p>
+            <a:r>
+              <a:rPr lang="en-US" dirty="0"/>
+              <a:t>Similar to many other training studies with null findings</a:t>
+            </a:r>
+          </a:p>
+        </p:txBody>
+      </p:sp>
+      <p:pic>
+        <p:nvPicPr>
+          <p:cNvPr id="5" name="Picture 4">
+            <a:extLst>
+              <a:ext uri="{FF2B5EF4-FFF2-40B4-BE49-F238E27FC236}">
+                <a16:creationId xmlns:a16="http://schemas.microsoft.com/office/drawing/2014/main" id="{E4E7243B-E184-7AD6-11CF-1D74CA979F5D}"/>
+              </a:ext>
+            </a:extLst>
+          </p:cNvPr>
+          <p:cNvPicPr>
+            <a:picLocks noChangeAspect="1"/>
+          </p:cNvPicPr>
+          <p:nvPr/>
+        </p:nvPicPr>
+        <p:blipFill>
+          <a:blip r:embed="rId2"/>
+          <a:stretch>
+            <a:fillRect/>
+          </a:stretch>
+        </p:blipFill>
+        <p:spPr>
+          <a:xfrm>
+            <a:off x="5789034" y="177800"/>
+            <a:ext cx="5934075" cy="1647825"/>
+          </a:xfrm>
+          <a:prstGeom prst="rect">
+            <a:avLst/>
+          </a:prstGeom>
+        </p:spPr>
+      </p:pic>
+    </p:spTree>
+    <p:extLst>
+      <p:ext uri="{BB962C8B-B14F-4D97-AF65-F5344CB8AC3E}">
+        <p14:creationId xmlns:p14="http://schemas.microsoft.com/office/powerpoint/2010/main" val="3102852387"/>
+      </p:ext>
+    </p:extLst>
+  </p:cSld>
+  <p:clrMapOvr>
+    <a:masterClrMapping/>
+  </p:clrMapOvr>
+</p:sld>
+</file>
+
+<file path=ppt/slides/slide28.xml><?xml version="1.0" encoding="utf-8"?>
+<p:sld xmlns:a="http://schemas.openxmlformats.org/drawingml/2006/main" xmlns:r="http://schemas.openxmlformats.org/officeDocument/2006/relationships" xmlns:p="http://schemas.openxmlformats.org/presentationml/2006/main">
+  <p:cSld>
+    <p:spTree>
+      <p:nvGrpSpPr>
+        <p:cNvPr id="1" name="">
+          <a:extLst>
+            <a:ext uri="{FF2B5EF4-FFF2-40B4-BE49-F238E27FC236}">
+              <a16:creationId xmlns:a16="http://schemas.microsoft.com/office/drawing/2014/main" id="{15B337CB-FD48-E2A2-614C-71BD334C63F3}"/>
+            </a:ext>
+          </a:extLst>
+        </p:cNvPr>
+        <p:cNvGrpSpPr/>
+        <p:nvPr/>
+      </p:nvGrpSpPr>
+      <p:grpSpPr>
+        <a:xfrm>
+          <a:off x="0" y="0"/>
+          <a:ext cx="0" cy="0"/>
+          <a:chOff x="0" y="0"/>
+          <a:chExt cx="0" cy="0"/>
+        </a:xfrm>
+      </p:grpSpPr>
+      <p:sp>
+        <p:nvSpPr>
+          <p:cNvPr id="2" name="Title 1">
+            <a:extLst>
+              <a:ext uri="{FF2B5EF4-FFF2-40B4-BE49-F238E27FC236}">
+                <a16:creationId xmlns:a16="http://schemas.microsoft.com/office/drawing/2014/main" id="{BD617720-B38D-2AB4-682E-90BF56AD3268}"/>
+              </a:ext>
+            </a:extLst>
+          </p:cNvPr>
+          <p:cNvSpPr>
+            <a:spLocks noGrp="1"/>
+          </p:cNvSpPr>
+          <p:nvPr>
+            <p:ph type="title"/>
+          </p:nvPr>
+        </p:nvSpPr>
+        <p:spPr/>
+        <p:txBody>
+          <a:bodyPr/>
+          <a:lstStyle/>
+          <a:p>
+            <a:r>
+              <a:rPr lang="en-US" dirty="0"/>
+              <a:t>Corbett et al. (2015)</a:t>
+            </a:r>
+          </a:p>
+        </p:txBody>
+      </p:sp>
+      <p:sp>
+        <p:nvSpPr>
+          <p:cNvPr id="3" name="Content Placeholder 2">
+            <a:extLst>
+              <a:ext uri="{FF2B5EF4-FFF2-40B4-BE49-F238E27FC236}">
+                <a16:creationId xmlns:a16="http://schemas.microsoft.com/office/drawing/2014/main" id="{0BF95799-E35B-1666-0842-59C76098AADB}"/>
+              </a:ext>
+            </a:extLst>
+          </p:cNvPr>
+          <p:cNvSpPr>
+            <a:spLocks noGrp="1"/>
+          </p:cNvSpPr>
+          <p:nvPr>
+            <p:ph idx="1"/>
+          </p:nvPr>
+        </p:nvSpPr>
+        <p:spPr/>
+        <p:txBody>
+          <a:bodyPr/>
+          <a:lstStyle/>
+          <a:p>
+            <a:r>
+              <a:rPr lang="en-US" dirty="0"/>
+              <a:t>Adults &gt; 60</a:t>
+            </a:r>
+          </a:p>
+          <a:p>
+            <a:pPr lvl="1"/>
+            <a:r>
+              <a:rPr lang="en-US" dirty="0"/>
+              <a:t>N = 2912</a:t>
+            </a:r>
+          </a:p>
+          <a:p>
+            <a:endParaRPr lang="en-US" dirty="0"/>
+          </a:p>
+          <a:p>
+            <a:endParaRPr lang="en-US" dirty="0"/>
+          </a:p>
+          <a:p>
+            <a:r>
+              <a:rPr lang="en-US" dirty="0"/>
+              <a:t>Reasoning based cognitive training improved performance on reasoning, working memory and verbal learning</a:t>
+            </a:r>
+          </a:p>
+          <a:p>
+            <a:pPr lvl="1"/>
+            <a:r>
+              <a:rPr lang="en-US" dirty="0"/>
+              <a:t>Effect size 0.15 – 0.20 for ADL, VL</a:t>
+            </a:r>
+          </a:p>
+          <a:p>
+            <a:pPr lvl="1"/>
+            <a:r>
+              <a:rPr lang="en-US" dirty="0"/>
+              <a:t>Effect size 0.30 for Reasoning tasks</a:t>
+            </a:r>
+          </a:p>
+        </p:txBody>
+      </p:sp>
+      <p:pic>
+        <p:nvPicPr>
+          <p:cNvPr id="5" name="Picture 4">
+            <a:extLst>
+              <a:ext uri="{FF2B5EF4-FFF2-40B4-BE49-F238E27FC236}">
+                <a16:creationId xmlns:a16="http://schemas.microsoft.com/office/drawing/2014/main" id="{6BAF3330-1639-4E5C-2217-71A00D2B1D40}"/>
+              </a:ext>
+            </a:extLst>
+          </p:cNvPr>
+          <p:cNvPicPr>
+            <a:picLocks noChangeAspect="1"/>
+          </p:cNvPicPr>
+          <p:nvPr/>
+        </p:nvPicPr>
+        <p:blipFill>
+          <a:blip r:embed="rId2"/>
+          <a:stretch>
+            <a:fillRect/>
+          </a:stretch>
+        </p:blipFill>
+        <p:spPr>
+          <a:xfrm>
+            <a:off x="4380943" y="1590675"/>
+            <a:ext cx="7515225" cy="1838325"/>
+          </a:xfrm>
+          <a:prstGeom prst="rect">
+            <a:avLst/>
+          </a:prstGeom>
+        </p:spPr>
+      </p:pic>
+    </p:spTree>
+    <p:extLst>
+      <p:ext uri="{BB962C8B-B14F-4D97-AF65-F5344CB8AC3E}">
+        <p14:creationId xmlns:p14="http://schemas.microsoft.com/office/powerpoint/2010/main" val="143677313"/>
+      </p:ext>
+    </p:extLst>
+  </p:cSld>
+  <p:clrMapOvr>
+    <a:masterClrMapping/>
+  </p:clrMapOvr>
+</p:sld>
+</file>
+
+<file path=ppt/slides/slide29.xml><?xml version="1.0" encoding="utf-8"?>
+<p:sld xmlns:a="http://schemas.openxmlformats.org/drawingml/2006/main" xmlns:r="http://schemas.openxmlformats.org/officeDocument/2006/relationships" xmlns:p="http://schemas.openxmlformats.org/presentationml/2006/main">
+  <p:cSld>
+    <p:spTree>
+      <p:nvGrpSpPr>
+        <p:cNvPr id="1" name="">
+          <a:extLst>
+            <a:ext uri="{FF2B5EF4-FFF2-40B4-BE49-F238E27FC236}">
+              <a16:creationId xmlns:a16="http://schemas.microsoft.com/office/drawing/2014/main" id="{269E5590-073E-ECFC-55E1-BF7541D62AAA}"/>
+            </a:ext>
+          </a:extLst>
+        </p:cNvPr>
+        <p:cNvGrpSpPr/>
+        <p:nvPr/>
+      </p:nvGrpSpPr>
+      <p:grpSpPr>
+        <a:xfrm>
+          <a:off x="0" y="0"/>
+          <a:ext cx="0" cy="0"/>
+          <a:chOff x="0" y="0"/>
+          <a:chExt cx="0" cy="0"/>
+        </a:xfrm>
+      </p:grpSpPr>
+      <p:sp>
+        <p:nvSpPr>
+          <p:cNvPr id="2" name="Title 1">
+            <a:extLst>
+              <a:ext uri="{FF2B5EF4-FFF2-40B4-BE49-F238E27FC236}">
+                <a16:creationId xmlns:a16="http://schemas.microsoft.com/office/drawing/2014/main" id="{067EB2D9-673B-251D-69C9-357756494324}"/>
+              </a:ext>
+            </a:extLst>
+          </p:cNvPr>
+          <p:cNvSpPr>
+            <a:spLocks noGrp="1"/>
+          </p:cNvSpPr>
+          <p:nvPr>
+            <p:ph type="title"/>
+          </p:nvPr>
+        </p:nvSpPr>
+        <p:spPr/>
+        <p:txBody>
+          <a:bodyPr/>
+          <a:lstStyle/>
+          <a:p>
+            <a:r>
+              <a:rPr lang="en-US" dirty="0"/>
+              <a:t>Childhood Developmental Studies</a:t>
+            </a:r>
+          </a:p>
+        </p:txBody>
+      </p:sp>
+      <p:sp>
+        <p:nvSpPr>
+          <p:cNvPr id="3" name="Content Placeholder 2">
+            <a:extLst>
+              <a:ext uri="{FF2B5EF4-FFF2-40B4-BE49-F238E27FC236}">
+                <a16:creationId xmlns:a16="http://schemas.microsoft.com/office/drawing/2014/main" id="{D28D6FDE-B26C-BC89-7F5A-15B4E31BF6C0}"/>
+              </a:ext>
+            </a:extLst>
+          </p:cNvPr>
+          <p:cNvSpPr>
+            <a:spLocks noGrp="1"/>
+          </p:cNvSpPr>
+          <p:nvPr>
+            <p:ph idx="1"/>
+          </p:nvPr>
+        </p:nvSpPr>
+        <p:spPr/>
+        <p:txBody>
+          <a:bodyPr>
+            <a:normAutofit lnSpcReduction="10000"/>
+          </a:bodyPr>
+          <a:lstStyle/>
+          <a:p>
+            <a:r>
+              <a:rPr lang="en-US" dirty="0"/>
+              <a:t>More mixed results and RCR issues</a:t>
+            </a:r>
+          </a:p>
+          <a:p>
+            <a:endParaRPr lang="en-US" dirty="0"/>
+          </a:p>
+          <a:p>
+            <a:r>
+              <a:rPr lang="en-US" dirty="0"/>
+              <a:t>“Fast </a:t>
+            </a:r>
+            <a:r>
+              <a:rPr lang="en-US" dirty="0" err="1"/>
+              <a:t>ForWord</a:t>
+            </a:r>
+            <a:r>
+              <a:rPr lang="en-US" dirty="0"/>
+              <a:t>” result unable to be replicated, but still sold popularly</a:t>
+            </a:r>
+          </a:p>
+          <a:p>
+            <a:pPr lvl="1"/>
+            <a:r>
+              <a:rPr lang="en-US" dirty="0"/>
+              <a:t>Auditory training of phonemes to improve reading</a:t>
+            </a:r>
+          </a:p>
+          <a:p>
+            <a:endParaRPr lang="en-US" dirty="0"/>
+          </a:p>
+          <a:p>
+            <a:r>
+              <a:rPr lang="en-US" dirty="0"/>
+              <a:t>Interventions with LD children appear effective</a:t>
+            </a:r>
+          </a:p>
+          <a:p>
+            <a:pPr lvl="1"/>
+            <a:r>
+              <a:rPr lang="en-US" dirty="0"/>
+              <a:t>Difficult to control maturation effects</a:t>
+            </a:r>
+          </a:p>
+          <a:p>
+            <a:pPr lvl="1"/>
+            <a:r>
+              <a:rPr lang="en-US" dirty="0"/>
+              <a:t>Cognitive functions being trained improve with age, education</a:t>
+            </a:r>
+          </a:p>
+          <a:p>
+            <a:pPr lvl="1"/>
+            <a:r>
+              <a:rPr lang="en-US" dirty="0"/>
+              <a:t>Smaller n’s in most studies</a:t>
+            </a:r>
+          </a:p>
+        </p:txBody>
+      </p:sp>
+    </p:spTree>
+    <p:extLst>
+      <p:ext uri="{BB962C8B-B14F-4D97-AF65-F5344CB8AC3E}">
+        <p14:creationId xmlns:p14="http://schemas.microsoft.com/office/powerpoint/2010/main" val="854814326"/>
       </p:ext>
     </p:extLst>
   </p:cSld>
@@ -6055,6 +7800,150 @@
     <p:extLst>
       <p:ext uri="{BB962C8B-B14F-4D97-AF65-F5344CB8AC3E}">
         <p14:creationId xmlns:p14="http://schemas.microsoft.com/office/powerpoint/2010/main" val="2941415486"/>
+      </p:ext>
+    </p:extLst>
+  </p:cSld>
+  <p:clrMapOvr>
+    <a:masterClrMapping/>
+  </p:clrMapOvr>
+</p:sld>
+</file>
+
+<file path=ppt/slides/slide30.xml><?xml version="1.0" encoding="utf-8"?>
+<p:sld xmlns:a="http://schemas.openxmlformats.org/drawingml/2006/main" xmlns:r="http://schemas.openxmlformats.org/officeDocument/2006/relationships" xmlns:p="http://schemas.openxmlformats.org/presentationml/2006/main">
+  <p:cSld>
+    <p:spTree>
+      <p:nvGrpSpPr>
+        <p:cNvPr id="1" name="">
+          <a:extLst>
+            <a:ext uri="{FF2B5EF4-FFF2-40B4-BE49-F238E27FC236}">
+              <a16:creationId xmlns:a16="http://schemas.microsoft.com/office/drawing/2014/main" id="{03CF4C0E-4B60-EF36-C030-9767528E2D91}"/>
+            </a:ext>
+          </a:extLst>
+        </p:cNvPr>
+        <p:cNvGrpSpPr/>
+        <p:nvPr/>
+      </p:nvGrpSpPr>
+      <p:grpSpPr>
+        <a:xfrm>
+          <a:off x="0" y="0"/>
+          <a:ext cx="0" cy="0"/>
+          <a:chOff x="0" y="0"/>
+          <a:chExt cx="0" cy="0"/>
+        </a:xfrm>
+      </p:grpSpPr>
+      <p:sp>
+        <p:nvSpPr>
+          <p:cNvPr id="2" name="Title 1">
+            <a:extLst>
+              <a:ext uri="{FF2B5EF4-FFF2-40B4-BE49-F238E27FC236}">
+                <a16:creationId xmlns:a16="http://schemas.microsoft.com/office/drawing/2014/main" id="{91B93DF8-6069-CD8F-6B03-565DEB7C2B08}"/>
+              </a:ext>
+            </a:extLst>
+          </p:cNvPr>
+          <p:cNvSpPr>
+            <a:spLocks noGrp="1"/>
+          </p:cNvSpPr>
+          <p:nvPr>
+            <p:ph type="title"/>
+          </p:nvPr>
+        </p:nvSpPr>
+        <p:spPr/>
+        <p:txBody>
+          <a:bodyPr/>
+          <a:lstStyle/>
+          <a:p>
+            <a:r>
+              <a:rPr lang="en-US" dirty="0"/>
+              <a:t>Brain Training Summary</a:t>
+            </a:r>
+          </a:p>
+        </p:txBody>
+      </p:sp>
+      <p:sp>
+        <p:nvSpPr>
+          <p:cNvPr id="3" name="Content Placeholder 2">
+            <a:extLst>
+              <a:ext uri="{FF2B5EF4-FFF2-40B4-BE49-F238E27FC236}">
+                <a16:creationId xmlns:a16="http://schemas.microsoft.com/office/drawing/2014/main" id="{0EBA7FF0-8BF3-C893-183B-7A9ABC6CFFE9}"/>
+              </a:ext>
+            </a:extLst>
+          </p:cNvPr>
+          <p:cNvSpPr>
+            <a:spLocks noGrp="1"/>
+          </p:cNvSpPr>
+          <p:nvPr>
+            <p:ph idx="1"/>
+          </p:nvPr>
+        </p:nvSpPr>
+        <p:spPr/>
+        <p:txBody>
+          <a:bodyPr/>
+          <a:lstStyle/>
+          <a:p>
+            <a:r>
+              <a:rPr lang="en-US" dirty="0"/>
+              <a:t>Does “brain training” work?</a:t>
+            </a:r>
+          </a:p>
+          <a:p>
+            <a:pPr lvl="1"/>
+            <a:r>
+              <a:rPr lang="en-US" dirty="0"/>
+              <a:t>Who’s asking?</a:t>
+            </a:r>
+          </a:p>
+          <a:p>
+            <a:pPr lvl="1"/>
+            <a:r>
+              <a:rPr lang="en-US" dirty="0"/>
+              <a:t>Yes, for some populations and some outcomes</a:t>
+            </a:r>
+          </a:p>
+          <a:p>
+            <a:pPr lvl="1"/>
+            <a:endParaRPr lang="en-US" dirty="0"/>
+          </a:p>
+          <a:p>
+            <a:r>
+              <a:rPr lang="en-US" dirty="0"/>
+              <a:t>Illustrates many challenges of intervention research</a:t>
+            </a:r>
+          </a:p>
+          <a:p>
+            <a:pPr lvl="1"/>
+            <a:r>
+              <a:rPr lang="en-US" dirty="0"/>
+              <a:t>What is the intended population and how are they sampled?</a:t>
+            </a:r>
+          </a:p>
+          <a:p>
+            <a:pPr lvl="1"/>
+            <a:r>
+              <a:rPr lang="en-US" dirty="0"/>
+              <a:t>What is the dependent variable outcome measure?</a:t>
+            </a:r>
+          </a:p>
+          <a:p>
+            <a:pPr lvl="1"/>
+            <a:r>
+              <a:rPr lang="en-US" dirty="0"/>
+              <a:t>How is the control task implemented?</a:t>
+            </a:r>
+          </a:p>
+          <a:p>
+            <a:pPr lvl="1"/>
+            <a:r>
+              <a:rPr lang="en-US" dirty="0"/>
+              <a:t>How rigorous is the methodology?</a:t>
+            </a:r>
+          </a:p>
+        </p:txBody>
+      </p:sp>
+    </p:spTree>
+    <p:extLst>
+      <p:ext uri="{BB962C8B-B14F-4D97-AF65-F5344CB8AC3E}">
+        <p14:creationId xmlns:p14="http://schemas.microsoft.com/office/powerpoint/2010/main" val="2919219622"/>
       </p:ext>
     </p:extLst>
   </p:cSld>
